--- a/eece3170/sp16/lectures/eece.3170sp16_lec3_data_p2.pptx
+++ b/eece3170/sp16/lectures/eece.3170sp16_lec3_data_p2.pptx
@@ -384,6 +384,7 @@
     </p:extLst>
   </p:cSld>
   <p:clrMap bg1="lt1" tx1="dk1" bg2="lt2" tx2="dk2" accent1="accent1" accent2="accent2" accent3="accent3" accent4="accent4" accent5="accent5" accent6="accent6" hlink="hlink" folHlink="folHlink"/>
+  <p:hf hdr="0" ftr="0" dt="0"/>
 </p:handoutMaster>
 </file>
 
@@ -730,6 +731,7 @@
     </p:extLst>
   </p:cSld>
   <p:clrMap bg1="lt1" tx1="dk1" bg2="lt2" tx2="dk2" accent1="accent1" accent2="accent2" accent3="accent3" accent4="accent4" accent5="accent5" accent6="accent6" hlink="hlink" folHlink="folHlink"/>
+  <p:hf hdr="0" ftr="0" dt="0"/>
   <p:notesStyle>
     <a:lvl1pPr algn="l" rtl="0" eaLnBrk="0" fontAlgn="base" hangingPunct="0">
       <a:spcBef>
@@ -1272,7 +1274,7 @@
             <a:fld id="{FA5028BB-22E9-B149-85A1-2B828FFCDACB}" type="datetime1">
               <a:rPr lang="en-US"/>
               <a:pPr/>
-              <a:t>1/22/16</a:t>
+              <a:t>1/23/16</a:t>
             </a:fld>
             <a:endParaRPr lang="en-US"/>
           </a:p>
@@ -1886,10 +1888,9 @@
             </a:lvl1pPr>
           </a:lstStyle>
           <a:p>
-            <a:fld id="{CAC40EB1-C635-9142-87EE-9A0ABF18B6FD}" type="datetime1">
-              <a:rPr lang="en-US"/>
-              <a:pPr/>
-              <a:t>1/22/16</a:t>
+            <a:fld id="{A7A84488-9874-934F-ADEE-508C1907F4EC}" type="datetime1">
+              <a:rPr lang="en-US" smtClean="0"/>
+              <a:t>1/23/16</a:t>
             </a:fld>
             <a:endParaRPr lang="en-US"/>
           </a:p>
@@ -2083,10 +2084,9 @@
             </a:lvl1pPr>
           </a:lstStyle>
           <a:p>
-            <a:fld id="{E924CD51-30C5-2343-88F8-0ED423F0A186}" type="datetime1">
-              <a:rPr lang="en-US"/>
-              <a:pPr/>
-              <a:t>1/22/16</a:t>
+            <a:fld id="{9DC00B42-D669-844F-9AFF-F2DCBB2B3F70}" type="datetime1">
+              <a:rPr lang="en-US" smtClean="0"/>
+              <a:t>1/23/16</a:t>
             </a:fld>
             <a:endParaRPr lang="en-US"/>
           </a:p>
@@ -2289,10 +2289,9 @@
             </a:lvl1pPr>
           </a:lstStyle>
           <a:p>
-            <a:fld id="{E97C4EF4-167F-7F45-954B-DE02C45BA8B8}" type="datetime1">
-              <a:rPr lang="en-US"/>
-              <a:pPr/>
-              <a:t>1/22/16</a:t>
+            <a:fld id="{F85D9CCD-2811-484B-8F33-C45DC05B5CBC}" type="datetime1">
+              <a:rPr lang="en-US" smtClean="0"/>
+              <a:t>1/23/16</a:t>
             </a:fld>
             <a:endParaRPr lang="en-US"/>
           </a:p>
@@ -2552,10 +2551,9 @@
             </a:lvl1pPr>
           </a:lstStyle>
           <a:p>
-            <a:fld id="{07B38805-2B52-2E42-B463-7BBC5C43FCB4}" type="datetime1">
-              <a:rPr lang="en-US"/>
-              <a:pPr/>
-              <a:t>1/22/16</a:t>
+            <a:fld id="{A4C2AD08-D5A3-4D44-8A9C-A96E461E5185}" type="datetime1">
+              <a:rPr lang="en-US" smtClean="0"/>
+              <a:t>1/23/16</a:t>
             </a:fld>
             <a:endParaRPr lang="en-US"/>
           </a:p>
@@ -2815,10 +2813,9 @@
             </a:lvl1pPr>
           </a:lstStyle>
           <a:p>
-            <a:fld id="{2199B4F5-6CD0-1E40-9359-B36B0BA56B82}" type="datetime1">
-              <a:rPr lang="en-US"/>
-              <a:pPr/>
-              <a:t>1/22/16</a:t>
+            <a:fld id="{A44AFE32-9E95-654B-9FEC-CD49B13DEEF9}" type="datetime1">
+              <a:rPr lang="en-US" smtClean="0"/>
+              <a:t>1/23/16</a:t>
             </a:fld>
             <a:endParaRPr lang="en-US"/>
           </a:p>
@@ -3011,10 +3008,9 @@
             </a:lvl1pPr>
           </a:lstStyle>
           <a:p>
-            <a:fld id="{A4E7DFD8-508D-884E-8152-75589C6A62B8}" type="datetime1">
-              <a:rPr lang="en-US"/>
-              <a:pPr/>
-              <a:t>1/22/16</a:t>
+            <a:fld id="{3A446AFB-4B27-814D-97A8-0131E18D0D44}" type="datetime1">
+              <a:rPr lang="en-US" smtClean="0"/>
+              <a:t>1/23/16</a:t>
             </a:fld>
             <a:endParaRPr lang="en-US"/>
           </a:p>
@@ -3229,10 +3225,9 @@
             </a:lvl1pPr>
           </a:lstStyle>
           <a:p>
-            <a:fld id="{7D8D8814-4081-974C-8C11-E965A37CA2DB}" type="datetime1">
-              <a:rPr lang="en-US"/>
-              <a:pPr/>
-              <a:t>1/22/16</a:t>
+            <a:fld id="{F332A494-A012-F341-94C5-A2E69D1244B0}" type="datetime1">
+              <a:rPr lang="en-US" smtClean="0"/>
+              <a:t>1/23/16</a:t>
             </a:fld>
             <a:endParaRPr lang="en-US"/>
           </a:p>
@@ -3543,10 +3538,9 @@
             </a:lvl1pPr>
           </a:lstStyle>
           <a:p>
-            <a:fld id="{CDB71C67-3D38-4742-82EB-9400424B0511}" type="datetime1">
-              <a:rPr lang="en-US"/>
-              <a:pPr/>
-              <a:t>1/22/16</a:t>
+            <a:fld id="{B4331943-575B-194E-8712-0040FED9298C}" type="datetime1">
+              <a:rPr lang="en-US" smtClean="0"/>
+              <a:t>1/23/16</a:t>
             </a:fld>
             <a:endParaRPr lang="en-US"/>
           </a:p>
@@ -3996,10 +3990,9 @@
             </a:lvl1pPr>
           </a:lstStyle>
           <a:p>
-            <a:fld id="{A53365B8-9ABB-8248-9D41-B8B092AD240C}" type="datetime1">
-              <a:rPr lang="en-US"/>
-              <a:pPr/>
-              <a:t>1/22/16</a:t>
+            <a:fld id="{104F0DEC-7CDC-6846-9F12-B9D8AA83C2EA}" type="datetime1">
+              <a:rPr lang="en-US" smtClean="0"/>
+              <a:t>1/23/16</a:t>
             </a:fld>
             <a:endParaRPr lang="en-US"/>
           </a:p>
@@ -4140,10 +4133,9 @@
             </a:lvl1pPr>
           </a:lstStyle>
           <a:p>
-            <a:fld id="{812CF39A-8B62-2749-AEEB-1F2E74CC704E}" type="datetime1">
-              <a:rPr lang="en-US"/>
-              <a:pPr/>
-              <a:t>1/22/16</a:t>
+            <a:fld id="{FBFE356F-3F21-5441-8911-7203BA809EF8}" type="datetime1">
+              <a:rPr lang="en-US" smtClean="0"/>
+              <a:t>1/23/16</a:t>
             </a:fld>
             <a:endParaRPr lang="en-US"/>
           </a:p>
@@ -4261,10 +4253,9 @@
             </a:lvl1pPr>
           </a:lstStyle>
           <a:p>
-            <a:fld id="{6B428C4E-166D-5C4F-B0DF-B8C096D2B5F6}" type="datetime1">
-              <a:rPr lang="en-US"/>
-              <a:pPr/>
-              <a:t>1/22/16</a:t>
+            <a:fld id="{03576B55-B170-B944-93F9-139F3A6709B5}" type="datetime1">
+              <a:rPr lang="en-US" smtClean="0"/>
+              <a:t>1/23/16</a:t>
             </a:fld>
             <a:endParaRPr lang="en-US"/>
           </a:p>
@@ -4564,10 +4555,9 @@
             </a:lvl1pPr>
           </a:lstStyle>
           <a:p>
-            <a:fld id="{798CA1BF-3EAB-7840-99C7-1633EE93F8E3}" type="datetime1">
-              <a:rPr lang="en-US"/>
-              <a:pPr/>
-              <a:t>1/22/16</a:t>
+            <a:fld id="{8F3C012F-E9B4-0A49-994D-4837A43BB22C}" type="datetime1">
+              <a:rPr lang="en-US" smtClean="0"/>
+              <a:t>1/23/16</a:t>
             </a:fld>
             <a:endParaRPr lang="en-US"/>
           </a:p>
@@ -4844,10 +4834,9 @@
             </a:lvl1pPr>
           </a:lstStyle>
           <a:p>
-            <a:fld id="{E041B9AA-D6A3-1240-AFE7-C82A162D8E5E}" type="datetime1">
-              <a:rPr lang="en-US"/>
-              <a:pPr/>
-              <a:t>1/22/16</a:t>
+            <a:fld id="{9B9CF191-96E2-6B4C-91BD-73424B8698B1}" type="datetime1">
+              <a:rPr lang="en-US" smtClean="0"/>
+              <a:t>1/23/16</a:t>
             </a:fld>
             <a:endParaRPr lang="en-US"/>
           </a:p>
@@ -5143,10 +5132,9 @@
             </a:lvl1pPr>
           </a:lstStyle>
           <a:p>
-            <a:fld id="{161A0FBD-096F-074D-9ACA-D787D1F7EBB2}" type="datetime1">
-              <a:rPr lang="en-US"/>
-              <a:pPr/>
-              <a:t>1/22/16</a:t>
+            <a:fld id="{41F36AC8-3A98-CF4A-820D-7AB1029F544E}" type="datetime1">
+              <a:rPr lang="en-US" smtClean="0"/>
+              <a:t>1/23/16</a:t>
             </a:fld>
             <a:endParaRPr lang="en-US"/>
           </a:p>
@@ -6306,12 +6294,11 @@
           </a:lstStyle>
           <a:p>
             <a:pPr eaLnBrk="1" hangingPunct="1"/>
-            <a:fld id="{153BE7FA-F018-644A-8708-9FC72E169875}" type="datetime1">
-              <a:rPr lang="en-US">
+            <a:fld id="{3EDEE51E-083F-6F4E-91B3-5C28323DDBB7}" type="datetime1">
+              <a:rPr lang="en-US" smtClean="0">
                 <a:latin typeface="Garamond" charset="0"/>
               </a:rPr>
-              <a:pPr eaLnBrk="1" hangingPunct="1"/>
-              <a:t>1/22/16</a:t>
+              <a:t>1/23/16</a:t>
             </a:fld>
             <a:endParaRPr lang="en-US">
               <a:latin typeface="Garamond" charset="0"/>
@@ -6339,7 +6326,7 @@
             </a:pPr>
             <a:r>
               <a:rPr lang="en-US" altLang="en-US" smtClean="0"/>
-              <a:t>Microprocessors I:  Lecture 2</a:t>
+              <a:t>Microprocessors I:  Lecture 3</a:t>
             </a:r>
             <a:endParaRPr lang="en-US" altLang="en-US"/>
           </a:p>
@@ -8476,12 +8463,11 @@
           </a:lstStyle>
           <a:p>
             <a:pPr eaLnBrk="1" hangingPunct="1"/>
-            <a:fld id="{4C5B5455-9501-F148-B670-D15319F505C9}" type="datetime1">
-              <a:rPr lang="en-US">
+            <a:fld id="{0BDA3BDA-12DF-DD49-A780-65676CE96A0C}" type="datetime1">
+              <a:rPr lang="en-US" smtClean="0">
                 <a:latin typeface="Garamond" charset="0"/>
               </a:rPr>
-              <a:pPr eaLnBrk="1" hangingPunct="1"/>
-              <a:t>1/22/16</a:t>
+              <a:t>1/23/16</a:t>
             </a:fld>
             <a:endParaRPr lang="en-US">
               <a:latin typeface="Garamond" charset="0"/>
@@ -9066,12 +9052,11 @@
           </a:lstStyle>
           <a:p>
             <a:pPr eaLnBrk="1" hangingPunct="1"/>
-            <a:fld id="{BA418755-0A28-C546-8CC1-5A7D75839DB8}" type="datetime1">
-              <a:rPr lang="en-US">
+            <a:fld id="{5059B4DE-9145-1341-89D5-BBF8AB81C124}" type="datetime1">
+              <a:rPr lang="en-US" smtClean="0">
                 <a:latin typeface="Garamond" charset="0"/>
               </a:rPr>
-              <a:pPr eaLnBrk="1" hangingPunct="1"/>
-              <a:t>1/22/16</a:t>
+              <a:t>1/23/16</a:t>
             </a:fld>
             <a:endParaRPr lang="en-US">
               <a:latin typeface="Garamond" charset="0"/>
@@ -9527,12 +9512,11 @@
           </a:lstStyle>
           <a:p>
             <a:pPr eaLnBrk="1" hangingPunct="1"/>
-            <a:fld id="{D930AFB6-422F-7F40-AD0F-039799A6BF28}" type="datetime1">
-              <a:rPr lang="en-US">
+            <a:fld id="{21B66487-2D73-9644-9B41-C3B894D014AF}" type="datetime1">
+              <a:rPr lang="en-US" smtClean="0">
                 <a:latin typeface="Garamond" charset="0"/>
               </a:rPr>
-              <a:pPr eaLnBrk="1" hangingPunct="1"/>
-              <a:t>1/22/16</a:t>
+              <a:t>1/23/16</a:t>
             </a:fld>
             <a:endParaRPr lang="en-US">
               <a:latin typeface="Garamond" charset="0"/>
@@ -9559,9 +9543,10 @@
               <a:defRPr/>
             </a:pPr>
             <a:r>
-              <a:rPr lang="en-US" altLang="en-US"/>
-              <a:t>Microprocessors I:  Lecture 2</a:t>
-            </a:r>
+              <a:rPr lang="en-US" altLang="en-US" smtClean="0"/>
+              <a:t>Microprocessors I:  Lecture 3</a:t>
+            </a:r>
+            <a:endParaRPr lang="en-US" altLang="en-US"/>
           </a:p>
         </p:txBody>
       </p:sp>
@@ -10018,12 +10003,11 @@
           </a:lstStyle>
           <a:p>
             <a:pPr eaLnBrk="1" hangingPunct="1"/>
-            <a:fld id="{5CFE874A-6577-1A4F-9AFD-857AC8ED032F}" type="datetime1">
-              <a:rPr lang="en-US">
+            <a:fld id="{1249ABB8-DAE1-F34D-83CC-13F17437A694}" type="datetime1">
+              <a:rPr lang="en-US" smtClean="0">
                 <a:latin typeface="Garamond" charset="0"/>
               </a:rPr>
-              <a:pPr eaLnBrk="1" hangingPunct="1"/>
-              <a:t>1/22/16</a:t>
+              <a:t>1/23/16</a:t>
             </a:fld>
             <a:endParaRPr lang="en-US">
               <a:latin typeface="Garamond" charset="0"/>
@@ -10050,9 +10034,10 @@
               <a:defRPr/>
             </a:pPr>
             <a:r>
-              <a:rPr lang="en-US" altLang="en-US"/>
-              <a:t>Microprocessors I:  Lecture 2</a:t>
-            </a:r>
+              <a:rPr lang="en-US" altLang="en-US" smtClean="0"/>
+              <a:t>Microprocessors I:  Lecture 3</a:t>
+            </a:r>
+            <a:endParaRPr lang="en-US" altLang="en-US"/>
           </a:p>
         </p:txBody>
       </p:sp>
@@ -10357,8 +10342,13 @@
             </a:pPr>
             <a:r>
               <a:rPr lang="en-US" dirty="0" smtClean="0"/>
-              <a:t>Example: MOV EAX, DS:[100H] </a:t>
-            </a:r>
+              <a:t>Example: MOV EAX, </a:t>
+            </a:r>
+            <a:r>
+              <a:rPr lang="en-US" dirty="0" smtClean="0"/>
+              <a:t>[100h]</a:t>
+            </a:r>
+            <a:endParaRPr lang="en-US" dirty="0" smtClean="0"/>
           </a:p>
           <a:p>
             <a:pPr marL="344487" lvl="1" indent="0">
@@ -10376,8 +10366,17 @@
               <a:rPr lang="en-US" dirty="0" smtClean="0">
                 <a:sym typeface="Wingdings" pitchFamily="2" charset="2"/>
               </a:rPr>
-              <a:t> EAX = memory at address DS:[100H]</a:t>
-            </a:r>
+              <a:t> EAX = memory at address </a:t>
+            </a:r>
+            <a:r>
+              <a:rPr lang="en-US" dirty="0" smtClean="0">
+                <a:sym typeface="Wingdings" pitchFamily="2" charset="2"/>
+              </a:rPr>
+              <a:t>[100h]</a:t>
+            </a:r>
+            <a:endParaRPr lang="en-US" dirty="0" smtClean="0">
+              <a:sym typeface="Wingdings" pitchFamily="2" charset="2"/>
+            </a:endParaRPr>
           </a:p>
         </p:txBody>
       </p:sp>
@@ -10512,12 +10511,11 @@
           </a:lstStyle>
           <a:p>
             <a:pPr eaLnBrk="1" hangingPunct="1"/>
-            <a:fld id="{38F976D1-0609-4E41-8451-89DC34B24622}" type="datetime1">
-              <a:rPr lang="en-US">
+            <a:fld id="{FAB4D18B-07EC-2F44-B1E8-4AA8FB901C68}" type="datetime1">
+              <a:rPr lang="en-US" smtClean="0">
                 <a:latin typeface="Garamond" charset="0"/>
               </a:rPr>
-              <a:pPr eaLnBrk="1" hangingPunct="1"/>
-              <a:t>1/22/16</a:t>
+              <a:t>1/23/16</a:t>
             </a:fld>
             <a:endParaRPr lang="en-US">
               <a:latin typeface="Garamond" charset="0"/>
@@ -10544,9 +10542,10 @@
               <a:defRPr/>
             </a:pPr>
             <a:r>
-              <a:rPr lang="en-US" altLang="en-US"/>
-              <a:t>Microprocessors I:  Lecture 2</a:t>
-            </a:r>
+              <a:rPr lang="en-US" altLang="en-US" smtClean="0"/>
+              <a:t>Microprocessors I:  Lecture 3</a:t>
+            </a:r>
+            <a:endParaRPr lang="en-US" altLang="en-US"/>
           </a:p>
         </p:txBody>
       </p:sp>
@@ -10771,7 +10770,7 @@
           <a:lstStyle/>
           <a:p>
             <a:r>
-              <a:rPr lang="en-US">
+              <a:rPr lang="en-US" dirty="0">
                 <a:latin typeface="Arial" charset="0"/>
               </a:rPr>
               <a:t>Accessing single byte is easy</a:t>
@@ -10779,7 +10778,7 @@
           </a:p>
           <a:p>
             <a:r>
-              <a:rPr lang="en-US">
+              <a:rPr lang="en-US" dirty="0">
                 <a:latin typeface="Arial" charset="0"/>
               </a:rPr>
               <a:t>Considerations with multi-byte data</a:t>
@@ -10788,13 +10787,13 @@
           <a:p>
             <a:pPr lvl="1"/>
             <a:r>
-              <a:rPr lang="en-US">
+              <a:rPr lang="en-US" dirty="0">
                 <a:latin typeface="Arial" charset="0"/>
               </a:rPr>
               <a:t>Are the data </a:t>
             </a:r>
             <a:r>
-              <a:rPr lang="en-US">
+              <a:rPr lang="en-US" dirty="0">
                 <a:solidFill>
                   <a:srgbClr val="FF0000"/>
                 </a:solidFill>
@@ -10803,7 +10802,7 @@
               <a:t>aligned</a:t>
             </a:r>
             <a:r>
-              <a:rPr lang="en-US">
+              <a:rPr lang="en-US" dirty="0">
                 <a:latin typeface="Arial" charset="0"/>
               </a:rPr>
               <a:t>?</a:t>
@@ -10812,7 +10811,7 @@
           <a:p>
             <a:pPr lvl="2"/>
             <a:r>
-              <a:rPr lang="en-US">
+              <a:rPr lang="en-US" dirty="0">
                 <a:latin typeface="Arial" charset="0"/>
               </a:rPr>
               <a:t>Easier/faster to access aligned data</a:t>
@@ -10821,13 +10820,13 @@
           <a:p>
             <a:pPr lvl="1"/>
             <a:r>
-              <a:rPr lang="en-US">
+              <a:rPr lang="en-US" dirty="0">
                 <a:latin typeface="Arial" charset="0"/>
               </a:rPr>
               <a:t>How are the data organized in memory (“</a:t>
             </a:r>
             <a:r>
-              <a:rPr lang="en-US">
+              <a:rPr lang="en-US" dirty="0" err="1">
                 <a:solidFill>
                   <a:srgbClr val="FF0000"/>
                 </a:solidFill>
@@ -10836,7 +10835,7 @@
               <a:t>endianness</a:t>
             </a:r>
             <a:r>
-              <a:rPr lang="en-US">
+              <a:rPr lang="en-US" dirty="0">
                 <a:latin typeface="Arial" charset="0"/>
               </a:rPr>
               <a:t>”)?</a:t>
@@ -10845,16 +10844,34 @@
           <a:p>
             <a:pPr lvl="2"/>
             <a:r>
-              <a:rPr lang="en-US">
+              <a:rPr lang="en-US" dirty="0">
                 <a:latin typeface="Arial" charset="0"/>
               </a:rPr>
-              <a:t>Given 32-bit number: DEADBEEFH or 0xDEADBEEF</a:t>
+              <a:t>Given 32-bit number: </a:t>
+            </a:r>
+            <a:r>
+              <a:rPr lang="en-US" dirty="0" err="1" smtClean="0">
+                <a:latin typeface="Arial" charset="0"/>
+              </a:rPr>
+              <a:t>DEADBEEFh</a:t>
+            </a:r>
+            <a:r>
+              <a:rPr lang="en-US" dirty="0" smtClean="0">
+                <a:latin typeface="Arial" charset="0"/>
+              </a:rPr>
+              <a:t> </a:t>
+            </a:r>
+            <a:r>
+              <a:rPr lang="en-US" dirty="0">
+                <a:latin typeface="Arial" charset="0"/>
+              </a:rPr>
+              <a:t>or 0xDEADBEEF</a:t>
             </a:r>
           </a:p>
           <a:p>
             <a:pPr lvl="2"/>
             <a:r>
-              <a:rPr lang="en-US">
+              <a:rPr lang="en-US" dirty="0">
                 <a:latin typeface="Arial" charset="0"/>
               </a:rPr>
               <a:t>Which byte—MSB (0xDE) or LSB (0xEF) gets stored in memory first?</a:t>
@@ -10993,12 +11010,11 @@
           </a:lstStyle>
           <a:p>
             <a:pPr eaLnBrk="1" hangingPunct="1"/>
-            <a:fld id="{18100738-77C4-AB46-92E9-97C61555152D}" type="datetime1">
-              <a:rPr lang="en-US">
+            <a:fld id="{80455BC3-5E36-5C40-AE9D-374DDE345EDE}" type="datetime1">
+              <a:rPr lang="en-US" smtClean="0">
                 <a:latin typeface="Garamond" charset="0"/>
               </a:rPr>
-              <a:pPr eaLnBrk="1" hangingPunct="1"/>
-              <a:t>1/22/16</a:t>
+              <a:t>1/23/16</a:t>
             </a:fld>
             <a:endParaRPr lang="en-US">
               <a:latin typeface="Garamond" charset="0"/>
@@ -11025,9 +11041,10 @@
               <a:defRPr/>
             </a:pPr>
             <a:r>
-              <a:rPr lang="en-US" altLang="en-US"/>
-              <a:t>Microprocessors I:  Lecture 2</a:t>
-            </a:r>
+              <a:rPr lang="en-US" altLang="en-US" smtClean="0"/>
+              <a:t>Microprocessors I:  Lecture 3</a:t>
+            </a:r>
+            <a:endParaRPr lang="en-US" altLang="en-US"/>
           </a:p>
         </p:txBody>
       </p:sp>
@@ -11460,12 +11477,11 @@
           </a:lstStyle>
           <a:p>
             <a:pPr eaLnBrk="1" hangingPunct="1"/>
-            <a:fld id="{7000E8F3-1E52-3D4E-A973-C8D835F72477}" type="datetime1">
-              <a:rPr lang="en-US">
+            <a:fld id="{23E1F136-5E89-8843-90A1-2C2D470842C8}" type="datetime1">
+              <a:rPr lang="en-US" smtClean="0">
                 <a:latin typeface="Garamond" charset="0"/>
               </a:rPr>
-              <a:pPr eaLnBrk="1" hangingPunct="1"/>
-              <a:t>1/22/16</a:t>
+              <a:t>1/23/16</a:t>
             </a:fld>
             <a:endParaRPr lang="en-US">
               <a:latin typeface="Garamond" charset="0"/>
@@ -11492,9 +11508,10 @@
               <a:defRPr/>
             </a:pPr>
             <a:r>
-              <a:rPr lang="en-US" dirty="0"/>
-              <a:t>Microprocessors I:  Lecture 2</a:t>
-            </a:r>
+              <a:rPr lang="en-US" smtClean="0"/>
+              <a:t>Microprocessors I:  Lecture 3</a:t>
+            </a:r>
+            <a:endParaRPr lang="en-US" dirty="0"/>
           </a:p>
         </p:txBody>
       </p:sp>
@@ -15176,12 +15193,11 @@
           </a:lstStyle>
           <a:p>
             <a:pPr eaLnBrk="1" hangingPunct="1"/>
-            <a:fld id="{153F5280-3279-5F40-98F5-4A77721D587C}" type="datetime1">
-              <a:rPr lang="en-US">
+            <a:fld id="{51895BE4-E2B4-DB4F-B430-88880B120837}" type="datetime1">
+              <a:rPr lang="en-US" smtClean="0">
                 <a:latin typeface="Garamond" charset="0"/>
               </a:rPr>
-              <a:pPr eaLnBrk="1" hangingPunct="1"/>
-              <a:t>1/22/16</a:t>
+              <a:t>1/23/16</a:t>
             </a:fld>
             <a:endParaRPr lang="en-US">
               <a:latin typeface="Garamond" charset="0"/>
@@ -15209,7 +15225,7 @@
             </a:pPr>
             <a:r>
               <a:rPr lang="en-US" altLang="en-US" smtClean="0"/>
-              <a:t>Computer Architecture Lecture 1</a:t>
+              <a:t>Microprocessors I:  Lecture 3</a:t>
             </a:r>
             <a:endParaRPr lang="en-US" altLang="en-US"/>
           </a:p>
@@ -18538,12 +18554,11 @@
           </a:lstStyle>
           <a:p>
             <a:pPr eaLnBrk="1" hangingPunct="1"/>
-            <a:fld id="{C4D1924F-F2D6-844E-862F-C88F69E9CFC1}" type="datetime1">
-              <a:rPr lang="en-US">
+            <a:fld id="{A9301DC6-11CA-4141-98F9-AA33643A5CB0}" type="datetime1">
+              <a:rPr lang="en-US" smtClean="0">
                 <a:latin typeface="Garamond" charset="0"/>
               </a:rPr>
-              <a:pPr eaLnBrk="1" hangingPunct="1"/>
-              <a:t>1/22/16</a:t>
+              <a:t>1/23/16</a:t>
             </a:fld>
             <a:endParaRPr lang="en-US">
               <a:latin typeface="Garamond" charset="0"/>
@@ -18571,7 +18586,7 @@
             </a:pPr>
             <a:r>
               <a:rPr lang="en-US" altLang="en-US" smtClean="0"/>
-              <a:t>Microprocessors I:  Lecture 2</a:t>
+              <a:t>Microprocessors I:  Lecture 3</a:t>
             </a:r>
             <a:endParaRPr lang="en-US" altLang="en-US"/>
           </a:p>
